--- a/presentation/prezentacia.pptx
+++ b/presentation/prezentacia.pptx
@@ -4,17 +4,21 @@
   <p:sldMasterIdLst>
     <p:sldMasterId id="2147483648" r:id="rId1"/>
   </p:sldMasterIdLst>
+  <p:notesMasterIdLst>
+    <p:notesMasterId r:id="rId13"/>
+  </p:notesMasterIdLst>
   <p:sldIdLst>
     <p:sldId id="256" r:id="rId2"/>
     <p:sldId id="257" r:id="rId3"/>
-    <p:sldId id="258" r:id="rId4"/>
-    <p:sldId id="259" r:id="rId5"/>
-    <p:sldId id="260" r:id="rId6"/>
+    <p:sldId id="259" r:id="rId4"/>
+    <p:sldId id="260" r:id="rId5"/>
+    <p:sldId id="267" r:id="rId6"/>
     <p:sldId id="261" r:id="rId7"/>
     <p:sldId id="262" r:id="rId8"/>
-    <p:sldId id="263" r:id="rId9"/>
-    <p:sldId id="264" r:id="rId10"/>
-    <p:sldId id="265" r:id="rId11"/>
+    <p:sldId id="266" r:id="rId9"/>
+    <p:sldId id="263" r:id="rId10"/>
+    <p:sldId id="264" r:id="rId11"/>
+    <p:sldId id="265" r:id="rId12"/>
   </p:sldIdLst>
   <p:sldSz cx="12192000" cy="6858000"/>
   <p:notesSz cx="6858000" cy="9144000"/>
@@ -114,6 +118,793 @@
     </a:lvl9pPr>
   </p:defaultTextStyle>
 </p:presentation>
+</file>
+
+<file path=ppt/notesMasters/notesMaster1.xml><?xml version="1.0" encoding="utf-8"?>
+<p:notesMaster xmlns:a="http://schemas.openxmlformats.org/drawingml/2006/main" xmlns:r="http://schemas.openxmlformats.org/officeDocument/2006/relationships" xmlns:p="http://schemas.openxmlformats.org/presentationml/2006/main">
+  <p:cSld>
+    <p:bg>
+      <p:bgRef idx="1001">
+        <a:schemeClr val="bg1"/>
+      </p:bgRef>
+    </p:bg>
+    <p:spTree>
+      <p:nvGrpSpPr>
+        <p:cNvPr id="1" name=""/>
+        <p:cNvGrpSpPr/>
+        <p:nvPr/>
+      </p:nvGrpSpPr>
+      <p:grpSpPr>
+        <a:xfrm>
+          <a:off x="0" y="0"/>
+          <a:ext cx="0" cy="0"/>
+          <a:chOff x="0" y="0"/>
+          <a:chExt cx="0" cy="0"/>
+        </a:xfrm>
+      </p:grpSpPr>
+      <p:sp>
+        <p:nvSpPr>
+          <p:cNvPr id="2" name="Zástupný objekt pre hlavičku 1"/>
+          <p:cNvSpPr>
+            <a:spLocks noGrp="1"/>
+          </p:cNvSpPr>
+          <p:nvPr>
+            <p:ph type="hdr" sz="quarter"/>
+          </p:nvPr>
+        </p:nvSpPr>
+        <p:spPr>
+          <a:xfrm>
+            <a:off x="0" y="0"/>
+            <a:ext cx="2971800" cy="458788"/>
+          </a:xfrm>
+          <a:prstGeom prst="rect">
+            <a:avLst/>
+          </a:prstGeom>
+        </p:spPr>
+        <p:txBody>
+          <a:bodyPr vert="horz" lIns="91440" tIns="45720" rIns="91440" bIns="45720" rtlCol="0"/>
+          <a:lstStyle>
+            <a:lvl1pPr algn="l">
+              <a:defRPr sz="1200"/>
+            </a:lvl1pPr>
+          </a:lstStyle>
+          <a:p>
+            <a:endParaRPr lang="sk-SK"/>
+          </a:p>
+        </p:txBody>
+      </p:sp>
+      <p:sp>
+        <p:nvSpPr>
+          <p:cNvPr id="3" name="Zástupný objekt pre dátum 2"/>
+          <p:cNvSpPr>
+            <a:spLocks noGrp="1"/>
+          </p:cNvSpPr>
+          <p:nvPr>
+            <p:ph type="dt" idx="1"/>
+          </p:nvPr>
+        </p:nvSpPr>
+        <p:spPr>
+          <a:xfrm>
+            <a:off x="3884613" y="0"/>
+            <a:ext cx="2971800" cy="458788"/>
+          </a:xfrm>
+          <a:prstGeom prst="rect">
+            <a:avLst/>
+          </a:prstGeom>
+        </p:spPr>
+        <p:txBody>
+          <a:bodyPr vert="horz" lIns="91440" tIns="45720" rIns="91440" bIns="45720" rtlCol="0"/>
+          <a:lstStyle>
+            <a:lvl1pPr algn="r">
+              <a:defRPr sz="1200"/>
+            </a:lvl1pPr>
+          </a:lstStyle>
+          <a:p>
+            <a:fld id="{AC09A4F4-CC2C-404F-8A5A-171F709A234F}" type="datetimeFigureOut">
+              <a:rPr lang="sk-SK" smtClean="0"/>
+              <a:t>23. 4. 2024</a:t>
+            </a:fld>
+            <a:endParaRPr lang="sk-SK"/>
+          </a:p>
+        </p:txBody>
+      </p:sp>
+      <p:sp>
+        <p:nvSpPr>
+          <p:cNvPr id="4" name="Zástupný objekt pre obrázok snímky 3"/>
+          <p:cNvSpPr>
+            <a:spLocks noGrp="1" noRot="1" noChangeAspect="1"/>
+          </p:cNvSpPr>
+          <p:nvPr>
+            <p:ph type="sldImg" idx="2"/>
+          </p:nvPr>
+        </p:nvSpPr>
+        <p:spPr>
+          <a:xfrm>
+            <a:off x="685800" y="1143000"/>
+            <a:ext cx="5486400" cy="3086100"/>
+          </a:xfrm>
+          <a:prstGeom prst="rect">
+            <a:avLst/>
+          </a:prstGeom>
+          <a:noFill/>
+          <a:ln w="12700">
+            <a:solidFill>
+              <a:prstClr val="black"/>
+            </a:solidFill>
+          </a:ln>
+        </p:spPr>
+        <p:txBody>
+          <a:bodyPr vert="horz" lIns="91440" tIns="45720" rIns="91440" bIns="45720" rtlCol="0" anchor="ctr"/>
+          <a:lstStyle/>
+          <a:p>
+            <a:endParaRPr lang="sk-SK"/>
+          </a:p>
+        </p:txBody>
+      </p:sp>
+      <p:sp>
+        <p:nvSpPr>
+          <p:cNvPr id="5" name="Zástupný objekt pre poznámky 4"/>
+          <p:cNvSpPr>
+            <a:spLocks noGrp="1"/>
+          </p:cNvSpPr>
+          <p:nvPr>
+            <p:ph type="body" sz="quarter" idx="3"/>
+          </p:nvPr>
+        </p:nvSpPr>
+        <p:spPr>
+          <a:xfrm>
+            <a:off x="685800" y="4400550"/>
+            <a:ext cx="5486400" cy="3600450"/>
+          </a:xfrm>
+          <a:prstGeom prst="rect">
+            <a:avLst/>
+          </a:prstGeom>
+        </p:spPr>
+        <p:txBody>
+          <a:bodyPr vert="horz" lIns="91440" tIns="45720" rIns="91440" bIns="45720" rtlCol="0"/>
+          <a:lstStyle/>
+          <a:p>
+            <a:pPr lvl="0"/>
+            <a:r>
+              <a:rPr lang="sk-SK"/>
+              <a:t>Kliknite sem a upravte štýly predlohy textu</a:t>
+            </a:r>
+          </a:p>
+          <a:p>
+            <a:pPr lvl="1"/>
+            <a:r>
+              <a:rPr lang="sk-SK"/>
+              <a:t>Druhá úroveň</a:t>
+            </a:r>
+          </a:p>
+          <a:p>
+            <a:pPr lvl="2"/>
+            <a:r>
+              <a:rPr lang="sk-SK"/>
+              <a:t>Tretia úroveň</a:t>
+            </a:r>
+          </a:p>
+          <a:p>
+            <a:pPr lvl="3"/>
+            <a:r>
+              <a:rPr lang="sk-SK"/>
+              <a:t>Štvrtá úroveň</a:t>
+            </a:r>
+          </a:p>
+          <a:p>
+            <a:pPr lvl="4"/>
+            <a:r>
+              <a:rPr lang="sk-SK"/>
+              <a:t>Piata úroveň</a:t>
+            </a:r>
+          </a:p>
+        </p:txBody>
+      </p:sp>
+      <p:sp>
+        <p:nvSpPr>
+          <p:cNvPr id="6" name="Zástupný objekt pre pätu 5"/>
+          <p:cNvSpPr>
+            <a:spLocks noGrp="1"/>
+          </p:cNvSpPr>
+          <p:nvPr>
+            <p:ph type="ftr" sz="quarter" idx="4"/>
+          </p:nvPr>
+        </p:nvSpPr>
+        <p:spPr>
+          <a:xfrm>
+            <a:off x="0" y="8685213"/>
+            <a:ext cx="2971800" cy="458787"/>
+          </a:xfrm>
+          <a:prstGeom prst="rect">
+            <a:avLst/>
+          </a:prstGeom>
+        </p:spPr>
+        <p:txBody>
+          <a:bodyPr vert="horz" lIns="91440" tIns="45720" rIns="91440" bIns="45720" rtlCol="0" anchor="b"/>
+          <a:lstStyle>
+            <a:lvl1pPr algn="l">
+              <a:defRPr sz="1200"/>
+            </a:lvl1pPr>
+          </a:lstStyle>
+          <a:p>
+            <a:endParaRPr lang="sk-SK"/>
+          </a:p>
+        </p:txBody>
+      </p:sp>
+      <p:sp>
+        <p:nvSpPr>
+          <p:cNvPr id="7" name="Zástupný objekt pre číslo snímky 6"/>
+          <p:cNvSpPr>
+            <a:spLocks noGrp="1"/>
+          </p:cNvSpPr>
+          <p:nvPr>
+            <p:ph type="sldNum" sz="quarter" idx="5"/>
+          </p:nvPr>
+        </p:nvSpPr>
+        <p:spPr>
+          <a:xfrm>
+            <a:off x="3884613" y="8685213"/>
+            <a:ext cx="2971800" cy="458787"/>
+          </a:xfrm>
+          <a:prstGeom prst="rect">
+            <a:avLst/>
+          </a:prstGeom>
+        </p:spPr>
+        <p:txBody>
+          <a:bodyPr vert="horz" lIns="91440" tIns="45720" rIns="91440" bIns="45720" rtlCol="0" anchor="b"/>
+          <a:lstStyle>
+            <a:lvl1pPr algn="r">
+              <a:defRPr sz="1200"/>
+            </a:lvl1pPr>
+          </a:lstStyle>
+          <a:p>
+            <a:fld id="{314B52E1-5685-410B-8420-7B71AC28D2DB}" type="slidenum">
+              <a:rPr lang="sk-SK" smtClean="0"/>
+              <a:t>‹#›</a:t>
+            </a:fld>
+            <a:endParaRPr lang="sk-SK"/>
+          </a:p>
+        </p:txBody>
+      </p:sp>
+    </p:spTree>
+    <p:extLst>
+      <p:ext uri="{BB962C8B-B14F-4D97-AF65-F5344CB8AC3E}">
+        <p14:creationId xmlns:p14="http://schemas.microsoft.com/office/powerpoint/2010/main" val="3649280371"/>
+      </p:ext>
+    </p:extLst>
+  </p:cSld>
+  <p:clrMap bg1="lt1" tx1="dk1" bg2="lt2" tx2="dk2" accent1="accent1" accent2="accent2" accent3="accent3" accent4="accent4" accent5="accent5" accent6="accent6" hlink="hlink" folHlink="folHlink"/>
+  <p:notesStyle>
+    <a:lvl1pPr marL="0" algn="l" defTabSz="914400" rtl="0" eaLnBrk="1" latinLnBrk="0" hangingPunct="1">
+      <a:defRPr sz="1200" kern="1200">
+        <a:solidFill>
+          <a:schemeClr val="tx1"/>
+        </a:solidFill>
+        <a:latin typeface="+mn-lt"/>
+        <a:ea typeface="+mn-ea"/>
+        <a:cs typeface="+mn-cs"/>
+      </a:defRPr>
+    </a:lvl1pPr>
+    <a:lvl2pPr marL="457200" algn="l" defTabSz="914400" rtl="0" eaLnBrk="1" latinLnBrk="0" hangingPunct="1">
+      <a:defRPr sz="1200" kern="1200">
+        <a:solidFill>
+          <a:schemeClr val="tx1"/>
+        </a:solidFill>
+        <a:latin typeface="+mn-lt"/>
+        <a:ea typeface="+mn-ea"/>
+        <a:cs typeface="+mn-cs"/>
+      </a:defRPr>
+    </a:lvl2pPr>
+    <a:lvl3pPr marL="914400" algn="l" defTabSz="914400" rtl="0" eaLnBrk="1" latinLnBrk="0" hangingPunct="1">
+      <a:defRPr sz="1200" kern="1200">
+        <a:solidFill>
+          <a:schemeClr val="tx1"/>
+        </a:solidFill>
+        <a:latin typeface="+mn-lt"/>
+        <a:ea typeface="+mn-ea"/>
+        <a:cs typeface="+mn-cs"/>
+      </a:defRPr>
+    </a:lvl3pPr>
+    <a:lvl4pPr marL="1371600" algn="l" defTabSz="914400" rtl="0" eaLnBrk="1" latinLnBrk="0" hangingPunct="1">
+      <a:defRPr sz="1200" kern="1200">
+        <a:solidFill>
+          <a:schemeClr val="tx1"/>
+        </a:solidFill>
+        <a:latin typeface="+mn-lt"/>
+        <a:ea typeface="+mn-ea"/>
+        <a:cs typeface="+mn-cs"/>
+      </a:defRPr>
+    </a:lvl4pPr>
+    <a:lvl5pPr marL="1828800" algn="l" defTabSz="914400" rtl="0" eaLnBrk="1" latinLnBrk="0" hangingPunct="1">
+      <a:defRPr sz="1200" kern="1200">
+        <a:solidFill>
+          <a:schemeClr val="tx1"/>
+        </a:solidFill>
+        <a:latin typeface="+mn-lt"/>
+        <a:ea typeface="+mn-ea"/>
+        <a:cs typeface="+mn-cs"/>
+      </a:defRPr>
+    </a:lvl5pPr>
+    <a:lvl6pPr marL="2286000" algn="l" defTabSz="914400" rtl="0" eaLnBrk="1" latinLnBrk="0" hangingPunct="1">
+      <a:defRPr sz="1200" kern="1200">
+        <a:solidFill>
+          <a:schemeClr val="tx1"/>
+        </a:solidFill>
+        <a:latin typeface="+mn-lt"/>
+        <a:ea typeface="+mn-ea"/>
+        <a:cs typeface="+mn-cs"/>
+      </a:defRPr>
+    </a:lvl6pPr>
+    <a:lvl7pPr marL="2743200" algn="l" defTabSz="914400" rtl="0" eaLnBrk="1" latinLnBrk="0" hangingPunct="1">
+      <a:defRPr sz="1200" kern="1200">
+        <a:solidFill>
+          <a:schemeClr val="tx1"/>
+        </a:solidFill>
+        <a:latin typeface="+mn-lt"/>
+        <a:ea typeface="+mn-ea"/>
+        <a:cs typeface="+mn-cs"/>
+      </a:defRPr>
+    </a:lvl7pPr>
+    <a:lvl8pPr marL="3200400" algn="l" defTabSz="914400" rtl="0" eaLnBrk="1" latinLnBrk="0" hangingPunct="1">
+      <a:defRPr sz="1200" kern="1200">
+        <a:solidFill>
+          <a:schemeClr val="tx1"/>
+        </a:solidFill>
+        <a:latin typeface="+mn-lt"/>
+        <a:ea typeface="+mn-ea"/>
+        <a:cs typeface="+mn-cs"/>
+      </a:defRPr>
+    </a:lvl8pPr>
+    <a:lvl9pPr marL="3657600" algn="l" defTabSz="914400" rtl="0" eaLnBrk="1" latinLnBrk="0" hangingPunct="1">
+      <a:defRPr sz="1200" kern="1200">
+        <a:solidFill>
+          <a:schemeClr val="tx1"/>
+        </a:solidFill>
+        <a:latin typeface="+mn-lt"/>
+        <a:ea typeface="+mn-ea"/>
+        <a:cs typeface="+mn-cs"/>
+      </a:defRPr>
+    </a:lvl9pPr>
+  </p:notesStyle>
+</p:notesMaster>
+</file>
+
+<file path=ppt/notesSlides/notesSlide1.xml><?xml version="1.0" encoding="utf-8"?>
+<p:notes xmlns:a="http://schemas.openxmlformats.org/drawingml/2006/main" xmlns:r="http://schemas.openxmlformats.org/officeDocument/2006/relationships" xmlns:p="http://schemas.openxmlformats.org/presentationml/2006/main">
+  <p:cSld>
+    <p:spTree>
+      <p:nvGrpSpPr>
+        <p:cNvPr id="1" name=""/>
+        <p:cNvGrpSpPr/>
+        <p:nvPr/>
+      </p:nvGrpSpPr>
+      <p:grpSpPr>
+        <a:xfrm>
+          <a:off x="0" y="0"/>
+          <a:ext cx="0" cy="0"/>
+          <a:chOff x="0" y="0"/>
+          <a:chExt cx="0" cy="0"/>
+        </a:xfrm>
+      </p:grpSpPr>
+      <p:sp>
+        <p:nvSpPr>
+          <p:cNvPr id="2" name="Zástupný objekt pre obrázok snímky 1"/>
+          <p:cNvSpPr>
+            <a:spLocks noGrp="1" noRot="1" noChangeAspect="1"/>
+          </p:cNvSpPr>
+          <p:nvPr>
+            <p:ph type="sldImg"/>
+          </p:nvPr>
+        </p:nvSpPr>
+        <p:spPr/>
+      </p:sp>
+      <p:sp>
+        <p:nvSpPr>
+          <p:cNvPr id="3" name="Zástupný objekt pre poznámky 2"/>
+          <p:cNvSpPr>
+            <a:spLocks noGrp="1"/>
+          </p:cNvSpPr>
+          <p:nvPr>
+            <p:ph type="body" idx="1"/>
+          </p:nvPr>
+        </p:nvSpPr>
+        <p:spPr/>
+        <p:txBody>
+          <a:bodyPr/>
+          <a:lstStyle/>
+          <a:p>
+            <a:endParaRPr lang="sk-SK" dirty="0"/>
+          </a:p>
+        </p:txBody>
+      </p:sp>
+      <p:sp>
+        <p:nvSpPr>
+          <p:cNvPr id="4" name="Zástupný objekt pre číslo snímky 3"/>
+          <p:cNvSpPr>
+            <a:spLocks noGrp="1"/>
+          </p:cNvSpPr>
+          <p:nvPr>
+            <p:ph type="sldNum" sz="quarter" idx="5"/>
+          </p:nvPr>
+        </p:nvSpPr>
+        <p:spPr/>
+        <p:txBody>
+          <a:bodyPr/>
+          <a:lstStyle/>
+          <a:p>
+            <a:fld id="{314B52E1-5685-410B-8420-7B71AC28D2DB}" type="slidenum">
+              <a:rPr lang="sk-SK" smtClean="0"/>
+              <a:t>2</a:t>
+            </a:fld>
+            <a:endParaRPr lang="sk-SK"/>
+          </a:p>
+        </p:txBody>
+      </p:sp>
+    </p:spTree>
+    <p:extLst>
+      <p:ext uri="{BB962C8B-B14F-4D97-AF65-F5344CB8AC3E}">
+        <p14:creationId xmlns:p14="http://schemas.microsoft.com/office/powerpoint/2010/main" val="1340824628"/>
+      </p:ext>
+    </p:extLst>
+  </p:cSld>
+  <p:clrMapOvr>
+    <a:masterClrMapping/>
+  </p:clrMapOvr>
+</p:notes>
+</file>
+
+<file path=ppt/notesSlides/notesSlide2.xml><?xml version="1.0" encoding="utf-8"?>
+<p:notes xmlns:a="http://schemas.openxmlformats.org/drawingml/2006/main" xmlns:r="http://schemas.openxmlformats.org/officeDocument/2006/relationships" xmlns:p="http://schemas.openxmlformats.org/presentationml/2006/main">
+  <p:cSld>
+    <p:spTree>
+      <p:nvGrpSpPr>
+        <p:cNvPr id="1" name=""/>
+        <p:cNvGrpSpPr/>
+        <p:nvPr/>
+      </p:nvGrpSpPr>
+      <p:grpSpPr>
+        <a:xfrm>
+          <a:off x="0" y="0"/>
+          <a:ext cx="0" cy="0"/>
+          <a:chOff x="0" y="0"/>
+          <a:chExt cx="0" cy="0"/>
+        </a:xfrm>
+      </p:grpSpPr>
+      <p:sp>
+        <p:nvSpPr>
+          <p:cNvPr id="2" name="Zástupný objekt pre obrázok snímky 1"/>
+          <p:cNvSpPr>
+            <a:spLocks noGrp="1" noRot="1" noChangeAspect="1"/>
+          </p:cNvSpPr>
+          <p:nvPr>
+            <p:ph type="sldImg"/>
+          </p:nvPr>
+        </p:nvSpPr>
+        <p:spPr/>
+      </p:sp>
+      <p:sp>
+        <p:nvSpPr>
+          <p:cNvPr id="3" name="Zástupný objekt pre poznámky 2"/>
+          <p:cNvSpPr>
+            <a:spLocks noGrp="1"/>
+          </p:cNvSpPr>
+          <p:nvPr>
+            <p:ph type="body" idx="1"/>
+          </p:nvPr>
+        </p:nvSpPr>
+        <p:spPr/>
+        <p:txBody>
+          <a:bodyPr/>
+          <a:lstStyle/>
+          <a:p>
+            <a:pPr marL="171450" indent="-171450">
+              <a:buFontTx/>
+              <a:buChar char="-"/>
+            </a:pPr>
+            <a:r>
+              <a:rPr lang="sk-SK" dirty="0"/>
+              <a:t>Netreba niečo </a:t>
+            </a:r>
+            <a:r>
+              <a:rPr lang="sk-SK" dirty="0" err="1"/>
+              <a:t>extremne</a:t>
+            </a:r>
+            <a:r>
+              <a:rPr lang="sk-SK" dirty="0"/>
+              <a:t> </a:t>
+            </a:r>
+            <a:r>
+              <a:rPr lang="sk-SK" dirty="0" err="1"/>
+              <a:t>drahe</a:t>
+            </a:r>
+            <a:r>
+              <a:rPr lang="sk-SK" dirty="0"/>
+              <a:t> ale zase ani </a:t>
+            </a:r>
+            <a:r>
+              <a:rPr lang="sk-SK" dirty="0" err="1"/>
+              <a:t>lacne</a:t>
+            </a:r>
+            <a:r>
+              <a:rPr lang="sk-SK" dirty="0"/>
+              <a:t> čo by mi nestačilo, </a:t>
+            </a:r>
+            <a:r>
+              <a:rPr lang="sk-SK" dirty="0" err="1"/>
+              <a:t>nejaky</a:t>
+            </a:r>
+            <a:r>
+              <a:rPr lang="sk-SK" dirty="0"/>
+              <a:t> stred</a:t>
+            </a:r>
+          </a:p>
+          <a:p>
+            <a:pPr marL="171450" indent="-171450">
+              <a:buFontTx/>
+              <a:buChar char="-"/>
+            </a:pPr>
+            <a:r>
+              <a:rPr lang="sk-SK" dirty="0"/>
+              <a:t>Z toho vyplynulo že budem potrebovať dosť priestoru pre disky</a:t>
+            </a:r>
+          </a:p>
+          <a:p>
+            <a:pPr marL="171450" indent="-171450">
+              <a:buFontTx/>
+              <a:buChar char="-"/>
+            </a:pPr>
+            <a:r>
+              <a:rPr lang="sk-SK" dirty="0" err="1"/>
+              <a:t>Kedže</a:t>
+            </a:r>
+            <a:r>
+              <a:rPr lang="sk-SK" dirty="0"/>
+              <a:t> systém bude bežať nepretržite, bolo treba aby nemal vysokú spotrebu</a:t>
+            </a:r>
+          </a:p>
+          <a:p>
+            <a:pPr marL="171450" indent="-171450">
+              <a:buFontTx/>
+              <a:buChar char="-"/>
+            </a:pPr>
+            <a:r>
+              <a:rPr lang="sk-SK" dirty="0"/>
+              <a:t>Potreboval som aby nebol príliš hlučný aby sa dalo v danej miestnosti dobre fungovať</a:t>
+            </a:r>
+          </a:p>
+        </p:txBody>
+      </p:sp>
+      <p:sp>
+        <p:nvSpPr>
+          <p:cNvPr id="4" name="Zástupný objekt pre číslo snímky 3"/>
+          <p:cNvSpPr>
+            <a:spLocks noGrp="1"/>
+          </p:cNvSpPr>
+          <p:nvPr>
+            <p:ph type="sldNum" sz="quarter" idx="5"/>
+          </p:nvPr>
+        </p:nvSpPr>
+        <p:spPr/>
+        <p:txBody>
+          <a:bodyPr/>
+          <a:lstStyle/>
+          <a:p>
+            <a:fld id="{314B52E1-5685-410B-8420-7B71AC28D2DB}" type="slidenum">
+              <a:rPr lang="sk-SK" smtClean="0"/>
+              <a:t>3</a:t>
+            </a:fld>
+            <a:endParaRPr lang="sk-SK"/>
+          </a:p>
+        </p:txBody>
+      </p:sp>
+    </p:spTree>
+    <p:extLst>
+      <p:ext uri="{BB962C8B-B14F-4D97-AF65-F5344CB8AC3E}">
+        <p14:creationId xmlns:p14="http://schemas.microsoft.com/office/powerpoint/2010/main" val="3585555435"/>
+      </p:ext>
+    </p:extLst>
+  </p:cSld>
+  <p:clrMapOvr>
+    <a:masterClrMapping/>
+  </p:clrMapOvr>
+</p:notes>
+</file>
+
+<file path=ppt/notesSlides/notesSlide3.xml><?xml version="1.0" encoding="utf-8"?>
+<p:notes xmlns:a="http://schemas.openxmlformats.org/drawingml/2006/main" xmlns:r="http://schemas.openxmlformats.org/officeDocument/2006/relationships" xmlns:p="http://schemas.openxmlformats.org/presentationml/2006/main">
+  <p:cSld>
+    <p:spTree>
+      <p:nvGrpSpPr>
+        <p:cNvPr id="1" name=""/>
+        <p:cNvGrpSpPr/>
+        <p:nvPr/>
+      </p:nvGrpSpPr>
+      <p:grpSpPr>
+        <a:xfrm>
+          <a:off x="0" y="0"/>
+          <a:ext cx="0" cy="0"/>
+          <a:chOff x="0" y="0"/>
+          <a:chExt cx="0" cy="0"/>
+        </a:xfrm>
+      </p:grpSpPr>
+      <p:sp>
+        <p:nvSpPr>
+          <p:cNvPr id="2" name="Zástupný objekt pre obrázok snímky 1"/>
+          <p:cNvSpPr>
+            <a:spLocks noGrp="1" noRot="1" noChangeAspect="1"/>
+          </p:cNvSpPr>
+          <p:nvPr>
+            <p:ph type="sldImg"/>
+          </p:nvPr>
+        </p:nvSpPr>
+        <p:spPr/>
+      </p:sp>
+      <p:sp>
+        <p:nvSpPr>
+          <p:cNvPr id="3" name="Zástupný objekt pre poznámky 2"/>
+          <p:cNvSpPr>
+            <a:spLocks noGrp="1"/>
+          </p:cNvSpPr>
+          <p:nvPr>
+            <p:ph type="body" idx="1"/>
+          </p:nvPr>
+        </p:nvSpPr>
+        <p:spPr/>
+        <p:txBody>
+          <a:bodyPr/>
+          <a:lstStyle/>
+          <a:p>
+            <a:endParaRPr lang="sk-SK" dirty="0"/>
+          </a:p>
+        </p:txBody>
+      </p:sp>
+      <p:sp>
+        <p:nvSpPr>
+          <p:cNvPr id="4" name="Zástupný objekt pre číslo snímky 3"/>
+          <p:cNvSpPr>
+            <a:spLocks noGrp="1"/>
+          </p:cNvSpPr>
+          <p:nvPr>
+            <p:ph type="sldNum" sz="quarter" idx="5"/>
+          </p:nvPr>
+        </p:nvSpPr>
+        <p:spPr/>
+        <p:txBody>
+          <a:bodyPr/>
+          <a:lstStyle/>
+          <a:p>
+            <a:fld id="{314B52E1-5685-410B-8420-7B71AC28D2DB}" type="slidenum">
+              <a:rPr lang="sk-SK" smtClean="0"/>
+              <a:t>4</a:t>
+            </a:fld>
+            <a:endParaRPr lang="sk-SK"/>
+          </a:p>
+        </p:txBody>
+      </p:sp>
+    </p:spTree>
+    <p:extLst>
+      <p:ext uri="{BB962C8B-B14F-4D97-AF65-F5344CB8AC3E}">
+        <p14:creationId xmlns:p14="http://schemas.microsoft.com/office/powerpoint/2010/main" val="2485106138"/>
+      </p:ext>
+    </p:extLst>
+  </p:cSld>
+  <p:clrMapOvr>
+    <a:masterClrMapping/>
+  </p:clrMapOvr>
+</p:notes>
+</file>
+
+<file path=ppt/notesSlides/notesSlide4.xml><?xml version="1.0" encoding="utf-8"?>
+<p:notes xmlns:a="http://schemas.openxmlformats.org/drawingml/2006/main" xmlns:r="http://schemas.openxmlformats.org/officeDocument/2006/relationships" xmlns:p="http://schemas.openxmlformats.org/presentationml/2006/main">
+  <p:cSld>
+    <p:spTree>
+      <p:nvGrpSpPr>
+        <p:cNvPr id="1" name=""/>
+        <p:cNvGrpSpPr/>
+        <p:nvPr/>
+      </p:nvGrpSpPr>
+      <p:grpSpPr>
+        <a:xfrm>
+          <a:off x="0" y="0"/>
+          <a:ext cx="0" cy="0"/>
+          <a:chOff x="0" y="0"/>
+          <a:chExt cx="0" cy="0"/>
+        </a:xfrm>
+      </p:grpSpPr>
+      <p:sp>
+        <p:nvSpPr>
+          <p:cNvPr id="2" name="Zástupný objekt pre obrázok snímky 1"/>
+          <p:cNvSpPr>
+            <a:spLocks noGrp="1" noRot="1" noChangeAspect="1"/>
+          </p:cNvSpPr>
+          <p:nvPr>
+            <p:ph type="sldImg"/>
+          </p:nvPr>
+        </p:nvSpPr>
+        <p:spPr/>
+      </p:sp>
+      <p:sp>
+        <p:nvSpPr>
+          <p:cNvPr id="3" name="Zástupný objekt pre poznámky 2"/>
+          <p:cNvSpPr>
+            <a:spLocks noGrp="1"/>
+          </p:cNvSpPr>
+          <p:nvPr>
+            <p:ph type="body" idx="1"/>
+          </p:nvPr>
+        </p:nvSpPr>
+        <p:spPr/>
+        <p:txBody>
+          <a:bodyPr/>
+          <a:lstStyle/>
+          <a:p>
+            <a:r>
+              <a:rPr lang="en-US" dirty="0">
+                <a:solidFill>
+                  <a:schemeClr val="accent6"/>
+                </a:solidFill>
+                <a:highlight>
+                  <a:srgbClr val="FFFF00"/>
+                </a:highlight>
+              </a:rPr>
+              <a:t>ZELENA – ROUTER</a:t>
+            </a:r>
+          </a:p>
+          <a:p>
+            <a:r>
+              <a:rPr lang="en-US" dirty="0"/>
+              <a:t>CERVENA – NAS</a:t>
+            </a:r>
+          </a:p>
+          <a:p>
+            <a:r>
+              <a:rPr lang="en-US" dirty="0"/>
+              <a:t>MODRA – KABELAZ</a:t>
+            </a:r>
+          </a:p>
+          <a:p>
+            <a:r>
+              <a:rPr lang="en-US" dirty="0"/>
+              <a:t>ORANZOVA - PC</a:t>
+            </a:r>
+            <a:endParaRPr lang="sk-SK" dirty="0"/>
+          </a:p>
+        </p:txBody>
+      </p:sp>
+      <p:sp>
+        <p:nvSpPr>
+          <p:cNvPr id="4" name="Zástupný objekt pre číslo snímky 3"/>
+          <p:cNvSpPr>
+            <a:spLocks noGrp="1"/>
+          </p:cNvSpPr>
+          <p:nvPr>
+            <p:ph type="sldNum" sz="quarter" idx="5"/>
+          </p:nvPr>
+        </p:nvSpPr>
+        <p:spPr/>
+        <p:txBody>
+          <a:bodyPr/>
+          <a:lstStyle/>
+          <a:p>
+            <a:fld id="{314B52E1-5685-410B-8420-7B71AC28D2DB}" type="slidenum">
+              <a:rPr lang="sk-SK" smtClean="0"/>
+              <a:t>6</a:t>
+            </a:fld>
+            <a:endParaRPr lang="sk-SK"/>
+          </a:p>
+        </p:txBody>
+      </p:sp>
+    </p:spTree>
+    <p:extLst>
+      <p:ext uri="{BB962C8B-B14F-4D97-AF65-F5344CB8AC3E}">
+        <p14:creationId xmlns:p14="http://schemas.microsoft.com/office/powerpoint/2010/main" val="2024650080"/>
+      </p:ext>
+    </p:extLst>
+  </p:cSld>
+  <p:clrMapOvr>
+    <a:masterClrMapping/>
+  </p:clrMapOvr>
+</p:notes>
 </file>
 
 <file path=ppt/slideLayouts/slideLayout1.xml><?xml version="1.0" encoding="utf-8"?>
@@ -3465,6 +4256,70 @@
           <p:cNvPr id="2" name="Nadpis 1">
             <a:extLst>
               <a:ext uri="{FF2B5EF4-FFF2-40B4-BE49-F238E27FC236}">
+                <a16:creationId xmlns:a16="http://schemas.microsoft.com/office/drawing/2014/main" id="{30BFC8BF-57CA-E581-B0FE-C5F122B900D9}"/>
+              </a:ext>
+            </a:extLst>
+          </p:cNvPr>
+          <p:cNvSpPr>
+            <a:spLocks noGrp="1"/>
+          </p:cNvSpPr>
+          <p:nvPr>
+            <p:ph type="title"/>
+          </p:nvPr>
+        </p:nvSpPr>
+        <p:spPr>
+          <a:xfrm>
+            <a:off x="838200" y="2766218"/>
+            <a:ext cx="10515600" cy="1325563"/>
+          </a:xfrm>
+        </p:spPr>
+        <p:txBody>
+          <a:bodyPr/>
+          <a:lstStyle/>
+          <a:p>
+            <a:pPr algn="ctr"/>
+            <a:r>
+              <a:rPr lang="sk-SK" b="1" dirty="0"/>
+              <a:t>Ďakujem za pozornosť</a:t>
+            </a:r>
+          </a:p>
+        </p:txBody>
+      </p:sp>
+    </p:spTree>
+    <p:extLst>
+      <p:ext uri="{BB962C8B-B14F-4D97-AF65-F5344CB8AC3E}">
+        <p14:creationId xmlns:p14="http://schemas.microsoft.com/office/powerpoint/2010/main" val="361575300"/>
+      </p:ext>
+    </p:extLst>
+  </p:cSld>
+  <p:clrMapOvr>
+    <a:masterClrMapping/>
+  </p:clrMapOvr>
+</p:sld>
+</file>
+
+<file path=ppt/slides/slide11.xml><?xml version="1.0" encoding="utf-8"?>
+<p:sld xmlns:a="http://schemas.openxmlformats.org/drawingml/2006/main" xmlns:r="http://schemas.openxmlformats.org/officeDocument/2006/relationships" xmlns:p="http://schemas.openxmlformats.org/presentationml/2006/main">
+  <p:cSld>
+    <p:spTree>
+      <p:nvGrpSpPr>
+        <p:cNvPr id="1" name=""/>
+        <p:cNvGrpSpPr/>
+        <p:nvPr/>
+      </p:nvGrpSpPr>
+      <p:grpSpPr>
+        <a:xfrm>
+          <a:off x="0" y="0"/>
+          <a:ext cx="0" cy="0"/>
+          <a:chOff x="0" y="0"/>
+          <a:chExt cx="0" cy="0"/>
+        </a:xfrm>
+      </p:grpSpPr>
+      <p:sp>
+        <p:nvSpPr>
+          <p:cNvPr id="2" name="Nadpis 1">
+            <a:extLst>
+              <a:ext uri="{FF2B5EF4-FFF2-40B4-BE49-F238E27FC236}">
                 <a16:creationId xmlns:a16="http://schemas.microsoft.com/office/drawing/2014/main" id="{162B47BD-3250-BC1C-113C-7C10AD353050}"/>
               </a:ext>
             </a:extLst>
@@ -3506,10 +4361,102 @@
         </p:nvSpPr>
         <p:spPr/>
         <p:txBody>
-          <a:bodyPr/>
-          <a:lstStyle/>
-          <a:p>
-            <a:endParaRPr lang="sk-SK"/>
+          <a:bodyPr>
+            <a:normAutofit/>
+          </a:bodyPr>
+          <a:lstStyle/>
+          <a:p>
+            <a:r>
+              <a:rPr lang="sk-SK" sz="1600" dirty="0">
+                <a:hlinkClick r:id="rId2"/>
+              </a:rPr>
+              <a:t>https://en.wikipedia.org/w/index.php?title=RAID&amp;oldid=1213793607</a:t>
+            </a:r>
+            <a:endParaRPr lang="sk-SK" sz="1600" dirty="0"/>
+          </a:p>
+          <a:p>
+            <a:r>
+              <a:rPr lang="sk-SK" sz="1600" dirty="0">
+                <a:hlinkClick r:id="rId3"/>
+              </a:rPr>
+              <a:t>https://en.wikipedia.org/w/index.php?title=TrueNAS&amp;oldid=1216096024</a:t>
+            </a:r>
+            <a:endParaRPr lang="sk-SK" sz="1600" dirty="0"/>
+          </a:p>
+          <a:p>
+            <a:r>
+              <a:rPr lang="sk-SK" sz="1600" dirty="0">
+                <a:hlinkClick r:id="rId4"/>
+              </a:rPr>
+              <a:t>https://en.wikipedia.org/w/index.php?title=OpenMediaVault&amp;oldid=1217184193</a:t>
+            </a:r>
+            <a:endParaRPr lang="sk-SK" sz="1600" dirty="0"/>
+          </a:p>
+          <a:p>
+            <a:r>
+              <a:rPr lang="sk-SK" sz="1600" dirty="0">
+                <a:hlinkClick r:id="rId5"/>
+              </a:rPr>
+              <a:t>https://www.wundertech.net/openmediavault-vs-truenas/</a:t>
+            </a:r>
+            <a:endParaRPr lang="sk-SK" sz="1600" dirty="0"/>
+          </a:p>
+          <a:p>
+            <a:r>
+              <a:rPr lang="sk-SK" sz="1600" dirty="0">
+                <a:hlinkClick r:id="rId6"/>
+              </a:rPr>
+              <a:t>https://techchefmadhuri.medium.com/how-much-disk-is-required-for-raid-configurations-bff57138e457</a:t>
+            </a:r>
+            <a:endParaRPr lang="sk-SK" sz="1600" dirty="0"/>
+          </a:p>
+          <a:p>
+            <a:r>
+              <a:rPr lang="sk-SK" sz="1600" dirty="0">
+                <a:hlinkClick r:id="rId7"/>
+              </a:rPr>
+              <a:t>https://www.windowscentral.com/how-set-headless-raspberry-pi-windows-10</a:t>
+            </a:r>
+            <a:endParaRPr lang="sk-SK" sz="1600" dirty="0"/>
+          </a:p>
+          <a:p>
+            <a:r>
+              <a:rPr lang="sk-SK" sz="1600" dirty="0">
+                <a:hlinkClick r:id="rId8"/>
+              </a:rPr>
+              <a:t>https://blog.briancmoses.com/2023/03/diy-nas-2023-edition.html</a:t>
+            </a:r>
+            <a:endParaRPr lang="sk-SK" sz="1600" dirty="0"/>
+          </a:p>
+          <a:p>
+            <a:r>
+              <a:rPr lang="sk-SK" sz="1600" dirty="0">
+                <a:hlinkClick r:id="rId9"/>
+              </a:rPr>
+              <a:t>https://docs.openmediavault.org/en/stable/</a:t>
+            </a:r>
+            <a:endParaRPr lang="sk-SK" sz="1600" dirty="0"/>
+          </a:p>
+          <a:p>
+            <a:r>
+              <a:rPr lang="sk-SK" sz="1600" dirty="0">
+                <a:hlinkClick r:id="rId10"/>
+              </a:rPr>
+              <a:t>https://www.raspberrypi.com/products/raspberry-pi-5/</a:t>
+            </a:r>
+            <a:endParaRPr lang="sk-SK" sz="1600" dirty="0"/>
+          </a:p>
+          <a:p>
+            <a:r>
+              <a:rPr lang="sk-SK" sz="1600" dirty="0">
+                <a:hlinkClick r:id="rId11"/>
+              </a:rPr>
+              <a:t>https://www.raspberrypi.com/tutorials/nas-box-raspberry-pi-tutorial/</a:t>
+            </a:r>
+            <a:endParaRPr lang="sk-SK" sz="1600" dirty="0"/>
+          </a:p>
+          <a:p>
+            <a:endParaRPr lang="sk-SK" sz="1600" dirty="0"/>
           </a:p>
         </p:txBody>
       </p:sp>
@@ -3594,7 +4541,7 @@
           <a:p>
             <a:r>
               <a:rPr lang="sk-SK" dirty="0"/>
-              <a:t>Zámer</a:t>
+              <a:t>Požiadavky</a:t>
             </a:r>
           </a:p>
           <a:p>
@@ -3619,6 +4566,12 @@
             <a:r>
               <a:rPr lang="sk-SK" dirty="0"/>
               <a:t>Porovnanie s inými riešeniami</a:t>
+            </a:r>
+          </a:p>
+          <a:p>
+            <a:r>
+              <a:rPr lang="sk-SK" dirty="0"/>
+              <a:t>Záver</a:t>
             </a:r>
           </a:p>
           <a:p>
@@ -3679,7 +4632,7 @@
           <a:p>
             <a:r>
               <a:rPr lang="sk-SK" dirty="0"/>
-              <a:t>Zámer</a:t>
+              <a:t>Požiadavky</a:t>
             </a:r>
           </a:p>
         </p:txBody>
@@ -3707,15 +4660,36 @@
           <a:p>
             <a:r>
               <a:rPr lang="sk-SK" dirty="0"/>
-              <a:t>Zámer projektu bolo postav</a:t>
-            </a:r>
+              <a:t>Dobrý pomer cena/výkon</a:t>
+            </a:r>
+          </a:p>
+          <a:p>
+            <a:r>
+              <a:rPr lang="sk-SK" dirty="0"/>
+              <a:t>Veľký úložný priestor</a:t>
+            </a:r>
+          </a:p>
+          <a:p>
+            <a:r>
+              <a:rPr lang="sk-SK" dirty="0"/>
+              <a:t>Relatívne nízka spotreba</a:t>
+            </a:r>
+          </a:p>
+          <a:p>
+            <a:r>
+              <a:rPr lang="sk-SK" dirty="0"/>
+              <a:t>Nízka hlučnosť</a:t>
+            </a:r>
+          </a:p>
+          <a:p>
+            <a:endParaRPr lang="sk-SK" dirty="0"/>
           </a:p>
         </p:txBody>
       </p:sp>
     </p:spTree>
     <p:extLst>
       <p:ext uri="{BB962C8B-B14F-4D97-AF65-F5344CB8AC3E}">
-        <p14:creationId xmlns:p14="http://schemas.microsoft.com/office/powerpoint/2010/main" val="3375258203"/>
+        <p14:creationId xmlns:p14="http://schemas.microsoft.com/office/powerpoint/2010/main" val="22021246"/>
       </p:ext>
     </p:extLst>
   </p:cSld>
@@ -3763,7 +4737,10 @@
           <a:bodyPr/>
           <a:lstStyle/>
           <a:p>
-            <a:endParaRPr lang="sk-SK"/>
+            <a:r>
+              <a:rPr lang="sk-SK" dirty="0"/>
+              <a:t>Hardware</a:t>
+            </a:r>
           </a:p>
         </p:txBody>
       </p:sp>
@@ -3795,7 +4772,7 @@
     </p:spTree>
     <p:extLst>
       <p:ext uri="{BB962C8B-B14F-4D97-AF65-F5344CB8AC3E}">
-        <p14:creationId xmlns:p14="http://schemas.microsoft.com/office/powerpoint/2010/main" val="22021246"/>
+        <p14:creationId xmlns:p14="http://schemas.microsoft.com/office/powerpoint/2010/main" val="2525820721"/>
       </p:ext>
     </p:extLst>
   </p:cSld>
@@ -3827,7 +4804,7 @@
           <p:cNvPr id="2" name="Nadpis 1">
             <a:extLst>
               <a:ext uri="{FF2B5EF4-FFF2-40B4-BE49-F238E27FC236}">
-                <a16:creationId xmlns:a16="http://schemas.microsoft.com/office/drawing/2014/main" id="{30BFC8BF-57CA-E581-B0FE-C5F122B900D9}"/>
+                <a16:creationId xmlns:a16="http://schemas.microsoft.com/office/drawing/2014/main" id="{DC680916-0AD5-FE07-52DD-2EE82D1F1CAB}"/>
               </a:ext>
             </a:extLst>
           </p:cNvPr>
@@ -3843,7 +4820,10 @@
           <a:bodyPr/>
           <a:lstStyle/>
           <a:p>
-            <a:endParaRPr lang="sk-SK"/>
+            <a:r>
+              <a:rPr lang="sk-SK" dirty="0"/>
+              <a:t>Software</a:t>
+            </a:r>
           </a:p>
         </p:txBody>
       </p:sp>
@@ -3852,7 +4832,7 @@
           <p:cNvPr id="3" name="Zástupný objekt pre obsah 2">
             <a:extLst>
               <a:ext uri="{FF2B5EF4-FFF2-40B4-BE49-F238E27FC236}">
-                <a16:creationId xmlns:a16="http://schemas.microsoft.com/office/drawing/2014/main" id="{E6729ECB-66BE-91C0-EB07-9E805711DE9D}"/>
+                <a16:creationId xmlns:a16="http://schemas.microsoft.com/office/drawing/2014/main" id="{C7B305D8-DD59-12CD-48AE-84A3949A3692}"/>
               </a:ext>
             </a:extLst>
           </p:cNvPr>
@@ -3875,7 +4855,7 @@
     </p:spTree>
     <p:extLst>
       <p:ext uri="{BB962C8B-B14F-4D97-AF65-F5344CB8AC3E}">
-        <p14:creationId xmlns:p14="http://schemas.microsoft.com/office/powerpoint/2010/main" val="2525820721"/>
+        <p14:creationId xmlns:p14="http://schemas.microsoft.com/office/powerpoint/2010/main" val="229499325"/>
       </p:ext>
     </p:extLst>
   </p:cSld>
@@ -3923,32 +4903,186 @@
           <a:bodyPr/>
           <a:lstStyle/>
           <a:p>
-            <a:endParaRPr lang="sk-SK"/>
-          </a:p>
-        </p:txBody>
-      </p:sp>
-      <p:sp>
-        <p:nvSpPr>
-          <p:cNvPr id="3" name="Zástupný objekt pre obsah 2">
-            <a:extLst>
-              <a:ext uri="{FF2B5EF4-FFF2-40B4-BE49-F238E27FC236}">
-                <a16:creationId xmlns:a16="http://schemas.microsoft.com/office/drawing/2014/main" id="{E6729ECB-66BE-91C0-EB07-9E805711DE9D}"/>
-              </a:ext>
-            </a:extLst>
-          </p:cNvPr>
-          <p:cNvSpPr>
-            <a:spLocks noGrp="1"/>
-          </p:cNvSpPr>
-          <p:nvPr>
-            <p:ph idx="1"/>
-          </p:nvPr>
-        </p:nvSpPr>
-        <p:spPr/>
-        <p:txBody>
-          <a:bodyPr/>
-          <a:lstStyle/>
-          <a:p>
-            <a:endParaRPr lang="sk-SK"/>
+            <a:r>
+              <a:rPr lang="sk-SK" dirty="0"/>
+              <a:t>Umiestnenie v domácnosti</a:t>
+            </a:r>
+          </a:p>
+        </p:txBody>
+      </p:sp>
+      <p:pic>
+        <p:nvPicPr>
+          <p:cNvPr id="5" name="Obrázok 4" descr="Obrázok, na ktorom je diagram, plán, technický výkres, rad&#10;&#10;Automaticky generovaný popis">
+            <a:extLst>
+              <a:ext uri="{FF2B5EF4-FFF2-40B4-BE49-F238E27FC236}">
+                <a16:creationId xmlns:a16="http://schemas.microsoft.com/office/drawing/2014/main" id="{FDCC4640-B219-2391-C0BE-0C382DD3FB23}"/>
+              </a:ext>
+            </a:extLst>
+          </p:cNvPr>
+          <p:cNvPicPr>
+            <a:picLocks noChangeAspect="1"/>
+          </p:cNvPicPr>
+          <p:nvPr/>
+        </p:nvPicPr>
+        <p:blipFill>
+          <a:blip r:embed="rId3">
+            <a:extLst>
+              <a:ext uri="{28A0092B-C50C-407E-A947-70E740481C1C}">
+                <a14:useLocalDpi xmlns:a14="http://schemas.microsoft.com/office/drawing/2010/main" val="0"/>
+              </a:ext>
+            </a:extLst>
+          </a:blip>
+          <a:stretch>
+            <a:fillRect/>
+          </a:stretch>
+        </p:blipFill>
+        <p:spPr>
+          <a:xfrm>
+            <a:off x="1666809" y="1426097"/>
+            <a:ext cx="8858382" cy="5066778"/>
+          </a:xfrm>
+          <a:prstGeom prst="rect">
+            <a:avLst/>
+          </a:prstGeom>
+        </p:spPr>
+      </p:pic>
+      <p:sp>
+        <p:nvSpPr>
+          <p:cNvPr id="6" name="BlokTextu 5">
+            <a:extLst>
+              <a:ext uri="{FF2B5EF4-FFF2-40B4-BE49-F238E27FC236}">
+                <a16:creationId xmlns:a16="http://schemas.microsoft.com/office/drawing/2014/main" id="{341C11A5-2C92-0311-F383-B4FCAD3CBBEC}"/>
+              </a:ext>
+            </a:extLst>
+          </p:cNvPr>
+          <p:cNvSpPr txBox="1"/>
+          <p:nvPr/>
+        </p:nvSpPr>
+        <p:spPr>
+          <a:xfrm>
+            <a:off x="2562726" y="4732603"/>
+            <a:ext cx="1654342" cy="369332"/>
+          </a:xfrm>
+          <a:prstGeom prst="rect">
+            <a:avLst/>
+          </a:prstGeom>
+          <a:noFill/>
+        </p:spPr>
+        <p:txBody>
+          <a:bodyPr wrap="square" rtlCol="0">
+            <a:spAutoFit/>
+          </a:bodyPr>
+          <a:lstStyle/>
+          <a:p>
+            <a:r>
+              <a:rPr lang="sk-SK" dirty="0"/>
+              <a:t>Pracovňa</a:t>
+            </a:r>
+          </a:p>
+        </p:txBody>
+      </p:sp>
+      <p:sp>
+        <p:nvSpPr>
+          <p:cNvPr id="7" name="BlokTextu 6">
+            <a:extLst>
+              <a:ext uri="{FF2B5EF4-FFF2-40B4-BE49-F238E27FC236}">
+                <a16:creationId xmlns:a16="http://schemas.microsoft.com/office/drawing/2014/main" id="{1D27EB12-AE37-B397-FEC6-25F520598175}"/>
+              </a:ext>
+            </a:extLst>
+          </p:cNvPr>
+          <p:cNvSpPr txBox="1"/>
+          <p:nvPr/>
+        </p:nvSpPr>
+        <p:spPr>
+          <a:xfrm>
+            <a:off x="3389897" y="2751660"/>
+            <a:ext cx="1654342" cy="369332"/>
+          </a:xfrm>
+          <a:prstGeom prst="rect">
+            <a:avLst/>
+          </a:prstGeom>
+          <a:noFill/>
+        </p:spPr>
+        <p:txBody>
+          <a:bodyPr wrap="square" rtlCol="0">
+            <a:spAutoFit/>
+          </a:bodyPr>
+          <a:lstStyle/>
+          <a:p>
+            <a:r>
+              <a:rPr lang="sk-SK" dirty="0"/>
+              <a:t>Obývačka</a:t>
+            </a:r>
+          </a:p>
+        </p:txBody>
+      </p:sp>
+      <p:sp>
+        <p:nvSpPr>
+          <p:cNvPr id="8" name="BlokTextu 7">
+            <a:extLst>
+              <a:ext uri="{FF2B5EF4-FFF2-40B4-BE49-F238E27FC236}">
+                <a16:creationId xmlns:a16="http://schemas.microsoft.com/office/drawing/2014/main" id="{FC100C15-2FF6-077F-DA74-919E97ACD50E}"/>
+              </a:ext>
+            </a:extLst>
+          </p:cNvPr>
+          <p:cNvSpPr txBox="1"/>
+          <p:nvPr/>
+        </p:nvSpPr>
+        <p:spPr>
+          <a:xfrm>
+            <a:off x="9106902" y="3836507"/>
+            <a:ext cx="1654342" cy="369332"/>
+          </a:xfrm>
+          <a:prstGeom prst="rect">
+            <a:avLst/>
+          </a:prstGeom>
+          <a:noFill/>
+        </p:spPr>
+        <p:txBody>
+          <a:bodyPr wrap="square" rtlCol="0">
+            <a:spAutoFit/>
+          </a:bodyPr>
+          <a:lstStyle/>
+          <a:p>
+            <a:r>
+              <a:rPr lang="sk-SK" dirty="0"/>
+              <a:t>Kuchyňa</a:t>
+            </a:r>
+          </a:p>
+        </p:txBody>
+      </p:sp>
+      <p:sp>
+        <p:nvSpPr>
+          <p:cNvPr id="9" name="BlokTextu 8">
+            <a:extLst>
+              <a:ext uri="{FF2B5EF4-FFF2-40B4-BE49-F238E27FC236}">
+                <a16:creationId xmlns:a16="http://schemas.microsoft.com/office/drawing/2014/main" id="{03471DD2-6503-2968-13F3-F8B583D4C7D9}"/>
+              </a:ext>
+            </a:extLst>
+          </p:cNvPr>
+          <p:cNvSpPr txBox="1"/>
+          <p:nvPr/>
+        </p:nvSpPr>
+        <p:spPr>
+          <a:xfrm>
+            <a:off x="6609349" y="3005360"/>
+            <a:ext cx="1076827" cy="369332"/>
+          </a:xfrm>
+          <a:prstGeom prst="rect">
+            <a:avLst/>
+          </a:prstGeom>
+          <a:noFill/>
+        </p:spPr>
+        <p:txBody>
+          <a:bodyPr wrap="square" rtlCol="0">
+            <a:spAutoFit/>
+          </a:bodyPr>
+          <a:lstStyle/>
+          <a:p>
+            <a:r>
+              <a:rPr lang="sk-SK" dirty="0"/>
+              <a:t>Spálňa</a:t>
+            </a:r>
           </a:p>
         </p:txBody>
       </p:sp>
@@ -4003,32 +5137,140 @@
           <a:bodyPr/>
           <a:lstStyle/>
           <a:p>
-            <a:endParaRPr lang="sk-SK"/>
-          </a:p>
-        </p:txBody>
-      </p:sp>
-      <p:sp>
-        <p:nvSpPr>
-          <p:cNvPr id="3" name="Zástupný objekt pre obsah 2">
-            <a:extLst>
-              <a:ext uri="{FF2B5EF4-FFF2-40B4-BE49-F238E27FC236}">
-                <a16:creationId xmlns:a16="http://schemas.microsoft.com/office/drawing/2014/main" id="{E6729ECB-66BE-91C0-EB07-9E805711DE9D}"/>
-              </a:ext>
-            </a:extLst>
-          </p:cNvPr>
-          <p:cNvSpPr>
-            <a:spLocks noGrp="1"/>
-          </p:cNvSpPr>
-          <p:nvPr>
-            <p:ph idx="1"/>
-          </p:nvPr>
-        </p:nvSpPr>
-        <p:spPr/>
-        <p:txBody>
-          <a:bodyPr/>
-          <a:lstStyle/>
-          <a:p>
-            <a:endParaRPr lang="sk-SK"/>
+            <a:r>
+              <a:rPr lang="sk-SK" dirty="0"/>
+              <a:t>Porovnanie s inými riešeniami</a:t>
+            </a:r>
+          </a:p>
+        </p:txBody>
+      </p:sp>
+      <p:pic>
+        <p:nvPicPr>
+          <p:cNvPr id="5" name="Obrázok 4">
+            <a:extLst>
+              <a:ext uri="{FF2B5EF4-FFF2-40B4-BE49-F238E27FC236}">
+                <a16:creationId xmlns:a16="http://schemas.microsoft.com/office/drawing/2014/main" id="{A736E947-2592-0382-E30A-748A9C702FD3}"/>
+              </a:ext>
+            </a:extLst>
+          </p:cNvPr>
+          <p:cNvPicPr>
+            <a:picLocks noChangeAspect="1"/>
+          </p:cNvPicPr>
+          <p:nvPr/>
+        </p:nvPicPr>
+        <p:blipFill>
+          <a:blip r:embed="rId2"/>
+          <a:stretch>
+            <a:fillRect/>
+          </a:stretch>
+        </p:blipFill>
+        <p:spPr>
+          <a:xfrm>
+            <a:off x="1543869" y="2879636"/>
+            <a:ext cx="2946915" cy="1098727"/>
+          </a:xfrm>
+          <a:prstGeom prst="rect">
+            <a:avLst/>
+          </a:prstGeom>
+        </p:spPr>
+      </p:pic>
+      <p:pic>
+        <p:nvPicPr>
+          <p:cNvPr id="7" name="Obrázok 6">
+            <a:extLst>
+              <a:ext uri="{FF2B5EF4-FFF2-40B4-BE49-F238E27FC236}">
+                <a16:creationId xmlns:a16="http://schemas.microsoft.com/office/drawing/2014/main" id="{EB332778-3F7B-4093-1288-C2C72014EEAA}"/>
+              </a:ext>
+            </a:extLst>
+          </p:cNvPr>
+          <p:cNvPicPr>
+            <a:picLocks noChangeAspect="1"/>
+          </p:cNvPicPr>
+          <p:nvPr/>
+        </p:nvPicPr>
+        <p:blipFill>
+          <a:blip r:embed="rId3"/>
+          <a:stretch>
+            <a:fillRect/>
+          </a:stretch>
+        </p:blipFill>
+        <p:spPr>
+          <a:xfrm>
+            <a:off x="6916706" y="2616908"/>
+            <a:ext cx="2884023" cy="2408386"/>
+          </a:xfrm>
+          <a:prstGeom prst="rect">
+            <a:avLst/>
+          </a:prstGeom>
+        </p:spPr>
+      </p:pic>
+      <p:sp>
+        <p:nvSpPr>
+          <p:cNvPr id="16" name="BlokTextu 15">
+            <a:extLst>
+              <a:ext uri="{FF2B5EF4-FFF2-40B4-BE49-F238E27FC236}">
+                <a16:creationId xmlns:a16="http://schemas.microsoft.com/office/drawing/2014/main" id="{10E07ADA-B95E-AA14-23AF-FE4E6135A298}"/>
+              </a:ext>
+            </a:extLst>
+          </p:cNvPr>
+          <p:cNvSpPr txBox="1"/>
+          <p:nvPr/>
+        </p:nvSpPr>
+        <p:spPr>
+          <a:xfrm>
+            <a:off x="838200" y="2283109"/>
+            <a:ext cx="4750963" cy="523220"/>
+          </a:xfrm>
+          <a:prstGeom prst="rect">
+            <a:avLst/>
+          </a:prstGeom>
+          <a:noFill/>
+        </p:spPr>
+        <p:txBody>
+          <a:bodyPr wrap="square" rtlCol="0">
+            <a:spAutoFit/>
+          </a:bodyPr>
+          <a:lstStyle/>
+          <a:p>
+            <a:r>
+              <a:rPr lang="sk-SK" sz="2800" dirty="0"/>
+              <a:t>Cena zdieľaných položiek</a:t>
+            </a:r>
+          </a:p>
+        </p:txBody>
+      </p:sp>
+      <p:sp>
+        <p:nvSpPr>
+          <p:cNvPr id="17" name="BlokTextu 16">
+            <a:extLst>
+              <a:ext uri="{FF2B5EF4-FFF2-40B4-BE49-F238E27FC236}">
+                <a16:creationId xmlns:a16="http://schemas.microsoft.com/office/drawing/2014/main" id="{D7BD1F90-1A9F-F2FD-5917-F12C59CA6B60}"/>
+              </a:ext>
+            </a:extLst>
+          </p:cNvPr>
+          <p:cNvSpPr txBox="1"/>
+          <p:nvPr/>
+        </p:nvSpPr>
+        <p:spPr>
+          <a:xfrm>
+            <a:off x="6602839" y="1975446"/>
+            <a:ext cx="3582636" cy="523220"/>
+          </a:xfrm>
+          <a:prstGeom prst="rect">
+            <a:avLst/>
+          </a:prstGeom>
+          <a:noFill/>
+        </p:spPr>
+        <p:txBody>
+          <a:bodyPr wrap="square" rtlCol="0">
+            <a:spAutoFit/>
+          </a:bodyPr>
+          <a:lstStyle/>
+          <a:p>
+            <a:r>
+              <a:rPr lang="sk-SK" sz="2800" dirty="0"/>
+              <a:t>Cena môjho riešenia</a:t>
+            </a:r>
           </a:p>
         </p:txBody>
       </p:sp>
@@ -4062,63 +5304,148 @@
           <a:chExt cx="0" cy="0"/>
         </a:xfrm>
       </p:grpSpPr>
-      <p:sp>
-        <p:nvSpPr>
-          <p:cNvPr id="2" name="Nadpis 1">
-            <a:extLst>
-              <a:ext uri="{FF2B5EF4-FFF2-40B4-BE49-F238E27FC236}">
-                <a16:creationId xmlns:a16="http://schemas.microsoft.com/office/drawing/2014/main" id="{30BFC8BF-57CA-E581-B0FE-C5F122B900D9}"/>
-              </a:ext>
-            </a:extLst>
-          </p:cNvPr>
-          <p:cNvSpPr>
-            <a:spLocks noGrp="1"/>
-          </p:cNvSpPr>
-          <p:nvPr>
-            <p:ph type="title"/>
-          </p:nvPr>
-        </p:nvSpPr>
-        <p:spPr/>
-        <p:txBody>
-          <a:bodyPr/>
-          <a:lstStyle/>
-          <a:p>
-            <a:r>
-              <a:rPr lang="sk-SK" dirty="0"/>
-              <a:t>Záver</a:t>
-            </a:r>
-          </a:p>
-        </p:txBody>
-      </p:sp>
-      <p:sp>
-        <p:nvSpPr>
-          <p:cNvPr id="3" name="Zástupný objekt pre obsah 2">
-            <a:extLst>
-              <a:ext uri="{FF2B5EF4-FFF2-40B4-BE49-F238E27FC236}">
-                <a16:creationId xmlns:a16="http://schemas.microsoft.com/office/drawing/2014/main" id="{E6729ECB-66BE-91C0-EB07-9E805711DE9D}"/>
-              </a:ext>
-            </a:extLst>
-          </p:cNvPr>
-          <p:cNvSpPr>
-            <a:spLocks noGrp="1"/>
-          </p:cNvSpPr>
-          <p:nvPr>
-            <p:ph idx="1"/>
-          </p:nvPr>
-        </p:nvSpPr>
-        <p:spPr/>
-        <p:txBody>
-          <a:bodyPr/>
-          <a:lstStyle/>
-          <a:p>
-            <a:endParaRPr lang="sk-SK"/>
-          </a:p>
-        </p:txBody>
-      </p:sp>
+      <p:pic>
+        <p:nvPicPr>
+          <p:cNvPr id="4" name="Obrázok 3" descr="Obrázok, na ktorom je elektronika, stroj, skrinka počítača, počítač&#10;&#10;Automaticky generovaný popis">
+            <a:extLst>
+              <a:ext uri="{FF2B5EF4-FFF2-40B4-BE49-F238E27FC236}">
+                <a16:creationId xmlns:a16="http://schemas.microsoft.com/office/drawing/2014/main" id="{A4870F6E-7F51-EC71-C590-39CD594F220A}"/>
+              </a:ext>
+            </a:extLst>
+          </p:cNvPr>
+          <p:cNvPicPr>
+            <a:picLocks noChangeAspect="1"/>
+          </p:cNvPicPr>
+          <p:nvPr/>
+        </p:nvPicPr>
+        <p:blipFill>
+          <a:blip r:embed="rId2">
+            <a:extLst>
+              <a:ext uri="{28A0092B-C50C-407E-A947-70E740481C1C}">
+                <a14:useLocalDpi xmlns:a14="http://schemas.microsoft.com/office/drawing/2010/main" val="0"/>
+              </a:ext>
+            </a:extLst>
+          </a:blip>
+          <a:stretch>
+            <a:fillRect/>
+          </a:stretch>
+        </p:blipFill>
+        <p:spPr>
+          <a:xfrm>
+            <a:off x="2078606" y="1405353"/>
+            <a:ext cx="2180812" cy="2739923"/>
+          </a:xfrm>
+          <a:prstGeom prst="rect">
+            <a:avLst/>
+          </a:prstGeom>
+        </p:spPr>
+      </p:pic>
+      <p:pic>
+        <p:nvPicPr>
+          <p:cNvPr id="11" name="Obrázok 10" descr="Obrázok, na ktorom je text, elektronika, súčiastka obvodu, elektronická súčiastka&#10;&#10;Automaticky generovaný popis">
+            <a:extLst>
+              <a:ext uri="{FF2B5EF4-FFF2-40B4-BE49-F238E27FC236}">
+                <a16:creationId xmlns:a16="http://schemas.microsoft.com/office/drawing/2014/main" id="{16C5C9CF-B115-052C-4467-A686534253CD}"/>
+              </a:ext>
+            </a:extLst>
+          </p:cNvPr>
+          <p:cNvPicPr>
+            <a:picLocks noChangeAspect="1"/>
+          </p:cNvPicPr>
+          <p:nvPr/>
+        </p:nvPicPr>
+        <p:blipFill>
+          <a:blip r:embed="rId3">
+            <a:extLst>
+              <a:ext uri="{28A0092B-C50C-407E-A947-70E740481C1C}">
+                <a14:useLocalDpi xmlns:a14="http://schemas.microsoft.com/office/drawing/2010/main" val="0"/>
+              </a:ext>
+            </a:extLst>
+          </a:blip>
+          <a:stretch>
+            <a:fillRect/>
+          </a:stretch>
+        </p:blipFill>
+        <p:spPr>
+          <a:xfrm>
+            <a:off x="8224179" y="1751238"/>
+            <a:ext cx="2222326" cy="2222326"/>
+          </a:xfrm>
+          <a:prstGeom prst="rect">
+            <a:avLst/>
+          </a:prstGeom>
+        </p:spPr>
+      </p:pic>
+      <p:pic>
+        <p:nvPicPr>
+          <p:cNvPr id="13" name="Obrázok 12" descr="Obrázok, na ktorom je elektronika, elektronické zariadenie, počítač&#10;&#10;Automaticky generovaný popis">
+            <a:extLst>
+              <a:ext uri="{FF2B5EF4-FFF2-40B4-BE49-F238E27FC236}">
+                <a16:creationId xmlns:a16="http://schemas.microsoft.com/office/drawing/2014/main" id="{1AC0F79C-9621-96D8-5C24-0EEB9E85C429}"/>
+              </a:ext>
+            </a:extLst>
+          </p:cNvPr>
+          <p:cNvPicPr>
+            <a:picLocks noChangeAspect="1"/>
+          </p:cNvPicPr>
+          <p:nvPr/>
+        </p:nvPicPr>
+        <p:blipFill>
+          <a:blip r:embed="rId4">
+            <a:extLst>
+              <a:ext uri="{28A0092B-C50C-407E-A947-70E740481C1C}">
+                <a14:useLocalDpi xmlns:a14="http://schemas.microsoft.com/office/drawing/2010/main" val="0"/>
+              </a:ext>
+            </a:extLst>
+          </a:blip>
+          <a:stretch>
+            <a:fillRect/>
+          </a:stretch>
+        </p:blipFill>
+        <p:spPr>
+          <a:xfrm>
+            <a:off x="5244551" y="2001047"/>
+            <a:ext cx="2355040" cy="1722709"/>
+          </a:xfrm>
+          <a:prstGeom prst="rect">
+            <a:avLst/>
+          </a:prstGeom>
+        </p:spPr>
+      </p:pic>
+      <p:pic>
+        <p:nvPicPr>
+          <p:cNvPr id="9" name="Obrázok 8">
+            <a:extLst>
+              <a:ext uri="{FF2B5EF4-FFF2-40B4-BE49-F238E27FC236}">
+                <a16:creationId xmlns:a16="http://schemas.microsoft.com/office/drawing/2014/main" id="{694094D9-D11B-8E60-1A75-3C0B09A57DAF}"/>
+              </a:ext>
+            </a:extLst>
+          </p:cNvPr>
+          <p:cNvPicPr>
+            <a:picLocks noChangeAspect="1"/>
+          </p:cNvPicPr>
+          <p:nvPr/>
+        </p:nvPicPr>
+        <p:blipFill>
+          <a:blip r:embed="rId5"/>
+          <a:stretch>
+            <a:fillRect/>
+          </a:stretch>
+        </p:blipFill>
+        <p:spPr>
+          <a:xfrm>
+            <a:off x="1866010" y="4731443"/>
+            <a:ext cx="8459980" cy="848804"/>
+          </a:xfrm>
+          <a:prstGeom prst="rect">
+            <a:avLst/>
+          </a:prstGeom>
+        </p:spPr>
+      </p:pic>
     </p:spTree>
     <p:extLst>
       <p:ext uri="{BB962C8B-B14F-4D97-AF65-F5344CB8AC3E}">
-        <p14:creationId xmlns:p14="http://schemas.microsoft.com/office/powerpoint/2010/main" val="730077035"/>
+        <p14:creationId xmlns:p14="http://schemas.microsoft.com/office/powerpoint/2010/main" val="3614907646"/>
       </p:ext>
     </p:extLst>
   </p:cSld>
@@ -4161,28 +5488,47 @@
             <p:ph type="title"/>
           </p:nvPr>
         </p:nvSpPr>
-        <p:spPr>
-          <a:xfrm>
-            <a:off x="838200" y="2766218"/>
-            <a:ext cx="10515600" cy="1325563"/>
-          </a:xfrm>
-        </p:spPr>
-        <p:txBody>
-          <a:bodyPr/>
-          <a:lstStyle/>
-          <a:p>
-            <a:pPr algn="ctr"/>
+        <p:spPr/>
+        <p:txBody>
+          <a:bodyPr/>
+          <a:lstStyle/>
+          <a:p>
             <a:r>
               <a:rPr lang="sk-SK" dirty="0"/>
-              <a:t>Ďakujem za pozornosť</a:t>
-            </a:r>
+              <a:t>Záver</a:t>
+            </a:r>
+          </a:p>
+        </p:txBody>
+      </p:sp>
+      <p:sp>
+        <p:nvSpPr>
+          <p:cNvPr id="3" name="Zástupný objekt pre obsah 2">
+            <a:extLst>
+              <a:ext uri="{FF2B5EF4-FFF2-40B4-BE49-F238E27FC236}">
+                <a16:creationId xmlns:a16="http://schemas.microsoft.com/office/drawing/2014/main" id="{E6729ECB-66BE-91C0-EB07-9E805711DE9D}"/>
+              </a:ext>
+            </a:extLst>
+          </p:cNvPr>
+          <p:cNvSpPr>
+            <a:spLocks noGrp="1"/>
+          </p:cNvSpPr>
+          <p:nvPr>
+            <p:ph idx="1"/>
+          </p:nvPr>
+        </p:nvSpPr>
+        <p:spPr/>
+        <p:txBody>
+          <a:bodyPr/>
+          <a:lstStyle/>
+          <a:p>
+            <a:endParaRPr lang="sk-SK" dirty="0"/>
           </a:p>
         </p:txBody>
       </p:sp>
     </p:spTree>
     <p:extLst>
       <p:ext uri="{BB962C8B-B14F-4D97-AF65-F5344CB8AC3E}">
-        <p14:creationId xmlns:p14="http://schemas.microsoft.com/office/powerpoint/2010/main" val="361575300"/>
+        <p14:creationId xmlns:p14="http://schemas.microsoft.com/office/powerpoint/2010/main" val="730077035"/>
       </p:ext>
     </p:extLst>
   </p:cSld>
@@ -4505,4 +5851,319 @@
     </a:ext>
   </a:extLst>
 </a:theme>
+</file>
+
+<file path=ppt/theme/theme2.xml><?xml version="1.0" encoding="utf-8"?>
+<a:theme xmlns:a="http://schemas.openxmlformats.org/drawingml/2006/main" name="Motív Office">
+  <a:themeElements>
+    <a:clrScheme name="Office">
+      <a:dk1>
+        <a:sysClr val="windowText" lastClr="000000"/>
+      </a:dk1>
+      <a:lt1>
+        <a:sysClr val="window" lastClr="FFFFFF"/>
+      </a:lt1>
+      <a:dk2>
+        <a:srgbClr val="0E2841"/>
+      </a:dk2>
+      <a:lt2>
+        <a:srgbClr val="E8E8E8"/>
+      </a:lt2>
+      <a:accent1>
+        <a:srgbClr val="156082"/>
+      </a:accent1>
+      <a:accent2>
+        <a:srgbClr val="E97132"/>
+      </a:accent2>
+      <a:accent3>
+        <a:srgbClr val="196B24"/>
+      </a:accent3>
+      <a:accent4>
+        <a:srgbClr val="0F9ED5"/>
+      </a:accent4>
+      <a:accent5>
+        <a:srgbClr val="A02B93"/>
+      </a:accent5>
+      <a:accent6>
+        <a:srgbClr val="4EA72E"/>
+      </a:accent6>
+      <a:hlink>
+        <a:srgbClr val="467886"/>
+      </a:hlink>
+      <a:folHlink>
+        <a:srgbClr val="96607D"/>
+      </a:folHlink>
+    </a:clrScheme>
+    <a:fontScheme name="Office">
+      <a:majorFont>
+        <a:latin typeface="Aptos Display" panose="02110004020202020204"/>
+        <a:ea typeface=""/>
+        <a:cs typeface=""/>
+        <a:font script="Jpan" typeface="游ゴシック Light"/>
+        <a:font script="Hang" typeface="맑은 고딕"/>
+        <a:font script="Hans" typeface="等线 Light"/>
+        <a:font script="Hant" typeface="新細明體"/>
+        <a:font script="Arab" typeface="Times New Roman"/>
+        <a:font script="Hebr" typeface="Times New Roman"/>
+        <a:font script="Thai" typeface="Angsana New"/>
+        <a:font script="Ethi" typeface="Nyala"/>
+        <a:font script="Beng" typeface="Vrinda"/>
+        <a:font script="Gujr" typeface="Shruti"/>
+        <a:font script="Khmr" typeface="MoolBoran"/>
+        <a:font script="Knda" typeface="Tunga"/>
+        <a:font script="Guru" typeface="Raavi"/>
+        <a:font script="Cans" typeface="Euphemia"/>
+        <a:font script="Cher" typeface="Plantagenet Cherokee"/>
+        <a:font script="Yiii" typeface="Microsoft Yi Baiti"/>
+        <a:font script="Tibt" typeface="Microsoft Himalaya"/>
+        <a:font script="Thaa" typeface="MV Boli"/>
+        <a:font script="Deva" typeface="Mangal"/>
+        <a:font script="Telu" typeface="Gautami"/>
+        <a:font script="Taml" typeface="Latha"/>
+        <a:font script="Syrc" typeface="Estrangelo Edessa"/>
+        <a:font script="Orya" typeface="Kalinga"/>
+        <a:font script="Mlym" typeface="Kartika"/>
+        <a:font script="Laoo" typeface="DokChampa"/>
+        <a:font script="Sinh" typeface="Iskoola Pota"/>
+        <a:font script="Mong" typeface="Mongolian Baiti"/>
+        <a:font script="Viet" typeface="Times New Roman"/>
+        <a:font script="Uigh" typeface="Microsoft Uighur"/>
+        <a:font script="Geor" typeface="Sylfaen"/>
+        <a:font script="Armn" typeface="Arial"/>
+        <a:font script="Bugi" typeface="Leelawadee UI"/>
+        <a:font script="Bopo" typeface="Microsoft JhengHei"/>
+        <a:font script="Java" typeface="Javanese Text"/>
+        <a:font script="Lisu" typeface="Segoe UI"/>
+        <a:font script="Mymr" typeface="Myanmar Text"/>
+        <a:font script="Nkoo" typeface="Ebrima"/>
+        <a:font script="Olck" typeface="Nirmala UI"/>
+        <a:font script="Osma" typeface="Ebrima"/>
+        <a:font script="Phag" typeface="Phagspa"/>
+        <a:font script="Syrn" typeface="Estrangelo Edessa"/>
+        <a:font script="Syrj" typeface="Estrangelo Edessa"/>
+        <a:font script="Syre" typeface="Estrangelo Edessa"/>
+        <a:font script="Sora" typeface="Nirmala UI"/>
+        <a:font script="Tale" typeface="Microsoft Tai Le"/>
+        <a:font script="Talu" typeface="Microsoft New Tai Lue"/>
+        <a:font script="Tfng" typeface="Ebrima"/>
+      </a:majorFont>
+      <a:minorFont>
+        <a:latin typeface="Aptos" panose="02110004020202020204"/>
+        <a:ea typeface=""/>
+        <a:cs typeface=""/>
+        <a:font script="Jpan" typeface="游ゴシック"/>
+        <a:font script="Hang" typeface="맑은 고딕"/>
+        <a:font script="Hans" typeface="等线"/>
+        <a:font script="Hant" typeface="新細明體"/>
+        <a:font script="Arab" typeface="Arial"/>
+        <a:font script="Hebr" typeface="Arial"/>
+        <a:font script="Thai" typeface="Cordia New"/>
+        <a:font script="Ethi" typeface="Nyala"/>
+        <a:font script="Beng" typeface="Vrinda"/>
+        <a:font script="Gujr" typeface="Shruti"/>
+        <a:font script="Khmr" typeface="DaunPenh"/>
+        <a:font script="Knda" typeface="Tunga"/>
+        <a:font script="Guru" typeface="Raavi"/>
+        <a:font script="Cans" typeface="Euphemia"/>
+        <a:font script="Cher" typeface="Plantagenet Cherokee"/>
+        <a:font script="Yiii" typeface="Microsoft Yi Baiti"/>
+        <a:font script="Tibt" typeface="Microsoft Himalaya"/>
+        <a:font script="Thaa" typeface="MV Boli"/>
+        <a:font script="Deva" typeface="Mangal"/>
+        <a:font script="Telu" typeface="Gautami"/>
+        <a:font script="Taml" typeface="Latha"/>
+        <a:font script="Syrc" typeface="Estrangelo Edessa"/>
+        <a:font script="Orya" typeface="Kalinga"/>
+        <a:font script="Mlym" typeface="Kartika"/>
+        <a:font script="Laoo" typeface="DokChampa"/>
+        <a:font script="Sinh" typeface="Iskoola Pota"/>
+        <a:font script="Mong" typeface="Mongolian Baiti"/>
+        <a:font script="Viet" typeface="Arial"/>
+        <a:font script="Uigh" typeface="Microsoft Uighur"/>
+        <a:font script="Geor" typeface="Sylfaen"/>
+        <a:font script="Armn" typeface="Arial"/>
+        <a:font script="Bugi" typeface="Leelawadee UI"/>
+        <a:font script="Bopo" typeface="Microsoft JhengHei"/>
+        <a:font script="Java" typeface="Javanese Text"/>
+        <a:font script="Lisu" typeface="Segoe UI"/>
+        <a:font script="Mymr" typeface="Myanmar Text"/>
+        <a:font script="Nkoo" typeface="Ebrima"/>
+        <a:font script="Olck" typeface="Nirmala UI"/>
+        <a:font script="Osma" typeface="Ebrima"/>
+        <a:font script="Phag" typeface="Phagspa"/>
+        <a:font script="Syrn" typeface="Estrangelo Edessa"/>
+        <a:font script="Syrj" typeface="Estrangelo Edessa"/>
+        <a:font script="Syre" typeface="Estrangelo Edessa"/>
+        <a:font script="Sora" typeface="Nirmala UI"/>
+        <a:font script="Tale" typeface="Microsoft Tai Le"/>
+        <a:font script="Talu" typeface="Microsoft New Tai Lue"/>
+        <a:font script="Tfng" typeface="Ebrima"/>
+      </a:minorFont>
+    </a:fontScheme>
+    <a:fmtScheme name="Office">
+      <a:fillStyleLst>
+        <a:solidFill>
+          <a:schemeClr val="phClr"/>
+        </a:solidFill>
+        <a:gradFill rotWithShape="1">
+          <a:gsLst>
+            <a:gs pos="0">
+              <a:schemeClr val="phClr">
+                <a:lumMod val="110000"/>
+                <a:satMod val="105000"/>
+                <a:tint val="67000"/>
+              </a:schemeClr>
+            </a:gs>
+            <a:gs pos="50000">
+              <a:schemeClr val="phClr">
+                <a:lumMod val="105000"/>
+                <a:satMod val="103000"/>
+                <a:tint val="73000"/>
+              </a:schemeClr>
+            </a:gs>
+            <a:gs pos="100000">
+              <a:schemeClr val="phClr">
+                <a:lumMod val="105000"/>
+                <a:satMod val="109000"/>
+                <a:tint val="81000"/>
+              </a:schemeClr>
+            </a:gs>
+          </a:gsLst>
+          <a:lin ang="5400000" scaled="0"/>
+        </a:gradFill>
+        <a:gradFill rotWithShape="1">
+          <a:gsLst>
+            <a:gs pos="0">
+              <a:schemeClr val="phClr">
+                <a:satMod val="103000"/>
+                <a:lumMod val="102000"/>
+                <a:tint val="94000"/>
+              </a:schemeClr>
+            </a:gs>
+            <a:gs pos="50000">
+              <a:schemeClr val="phClr">
+                <a:satMod val="110000"/>
+                <a:lumMod val="100000"/>
+                <a:shade val="100000"/>
+              </a:schemeClr>
+            </a:gs>
+            <a:gs pos="100000">
+              <a:schemeClr val="phClr">
+                <a:lumMod val="99000"/>
+                <a:satMod val="120000"/>
+                <a:shade val="78000"/>
+              </a:schemeClr>
+            </a:gs>
+          </a:gsLst>
+          <a:lin ang="5400000" scaled="0"/>
+        </a:gradFill>
+      </a:fillStyleLst>
+      <a:lnStyleLst>
+        <a:ln w="12700" cap="flat" cmpd="sng" algn="ctr">
+          <a:solidFill>
+            <a:schemeClr val="phClr"/>
+          </a:solidFill>
+          <a:prstDash val="solid"/>
+          <a:miter lim="800000"/>
+        </a:ln>
+        <a:ln w="19050" cap="flat" cmpd="sng" algn="ctr">
+          <a:solidFill>
+            <a:schemeClr val="phClr"/>
+          </a:solidFill>
+          <a:prstDash val="solid"/>
+          <a:miter lim="800000"/>
+        </a:ln>
+        <a:ln w="25400" cap="flat" cmpd="sng" algn="ctr">
+          <a:solidFill>
+            <a:schemeClr val="phClr"/>
+          </a:solidFill>
+          <a:prstDash val="solid"/>
+          <a:miter lim="800000"/>
+        </a:ln>
+      </a:lnStyleLst>
+      <a:effectStyleLst>
+        <a:effectStyle>
+          <a:effectLst/>
+        </a:effectStyle>
+        <a:effectStyle>
+          <a:effectLst/>
+        </a:effectStyle>
+        <a:effectStyle>
+          <a:effectLst>
+            <a:outerShdw blurRad="57150" dist="19050" dir="5400000" algn="ctr" rotWithShape="0">
+              <a:srgbClr val="000000">
+                <a:alpha val="63000"/>
+              </a:srgbClr>
+            </a:outerShdw>
+          </a:effectLst>
+        </a:effectStyle>
+      </a:effectStyleLst>
+      <a:bgFillStyleLst>
+        <a:solidFill>
+          <a:schemeClr val="phClr"/>
+        </a:solidFill>
+        <a:solidFill>
+          <a:schemeClr val="phClr">
+            <a:tint val="95000"/>
+            <a:satMod val="170000"/>
+          </a:schemeClr>
+        </a:solidFill>
+        <a:gradFill rotWithShape="1">
+          <a:gsLst>
+            <a:gs pos="0">
+              <a:schemeClr val="phClr">
+                <a:tint val="93000"/>
+                <a:satMod val="150000"/>
+                <a:shade val="98000"/>
+                <a:lumMod val="102000"/>
+              </a:schemeClr>
+            </a:gs>
+            <a:gs pos="50000">
+              <a:schemeClr val="phClr">
+                <a:tint val="98000"/>
+                <a:satMod val="130000"/>
+                <a:shade val="90000"/>
+                <a:lumMod val="103000"/>
+              </a:schemeClr>
+            </a:gs>
+            <a:gs pos="100000">
+              <a:schemeClr val="phClr">
+                <a:shade val="63000"/>
+                <a:satMod val="120000"/>
+              </a:schemeClr>
+            </a:gs>
+          </a:gsLst>
+          <a:lin ang="5400000" scaled="0"/>
+        </a:gradFill>
+      </a:bgFillStyleLst>
+    </a:fmtScheme>
+  </a:themeElements>
+  <a:objectDefaults>
+    <a:lnDef>
+      <a:spPr/>
+      <a:bodyPr/>
+      <a:lstStyle/>
+      <a:style>
+        <a:lnRef idx="2">
+          <a:schemeClr val="accent1"/>
+        </a:lnRef>
+        <a:fillRef idx="0">
+          <a:schemeClr val="accent1"/>
+        </a:fillRef>
+        <a:effectRef idx="1">
+          <a:schemeClr val="accent1"/>
+        </a:effectRef>
+        <a:fontRef idx="minor">
+          <a:schemeClr val="tx1"/>
+        </a:fontRef>
+      </a:style>
+    </a:lnDef>
+  </a:objectDefaults>
+  <a:extraClrSchemeLst/>
+  <a:extLst>
+    <a:ext uri="{05A4C25C-085E-4340-85A3-A5531E510DB2}">
+      <thm15:themeFamily xmlns:thm15="http://schemas.microsoft.com/office/thememl/2012/main" name="Office Theme" id="{2E142A2C-CD16-42D6-873A-C26D2A0506FA}" vid="{1BDDFF52-6CD6-40A5-AB3C-68EB2F1E4D0A}"/>
+    </a:ext>
+  </a:extLst>
+</a:theme>
 </file>